--- a/65信靠順服.pptx
+++ b/65信靠順服.pptx
@@ -311,7 +311,7 @@
             <a:fld id="{74BC4726-2204-402F-8651-3DE2807316DF}" type="datetimeFigureOut">
               <a:rPr lang="en-US" smtClean="0"/>
               <a:pPr/>
-              <a:t>4/3/2020</a:t>
+              <a:t>10/30/2020</a:t>
             </a:fld>
             <a:endParaRPr lang="en-US"/>
           </a:p>
@@ -483,7 +483,7 @@
             <a:fld id="{74BC4726-2204-402F-8651-3DE2807316DF}" type="datetimeFigureOut">
               <a:rPr lang="en-US" smtClean="0"/>
               <a:pPr/>
-              <a:t>4/3/2020</a:t>
+              <a:t>10/30/2020</a:t>
             </a:fld>
             <a:endParaRPr lang="en-US"/>
           </a:p>
@@ -665,7 +665,7 @@
             <a:fld id="{74BC4726-2204-402F-8651-3DE2807316DF}" type="datetimeFigureOut">
               <a:rPr lang="en-US" smtClean="0"/>
               <a:pPr/>
-              <a:t>4/3/2020</a:t>
+              <a:t>10/30/2020</a:t>
             </a:fld>
             <a:endParaRPr lang="en-US"/>
           </a:p>
@@ -837,7 +837,7 @@
             <a:fld id="{74BC4726-2204-402F-8651-3DE2807316DF}" type="datetimeFigureOut">
               <a:rPr lang="en-US" smtClean="0"/>
               <a:pPr/>
-              <a:t>4/3/2020</a:t>
+              <a:t>10/30/2020</a:t>
             </a:fld>
             <a:endParaRPr lang="en-US"/>
           </a:p>
@@ -1085,7 +1085,7 @@
             <a:fld id="{74BC4726-2204-402F-8651-3DE2807316DF}" type="datetimeFigureOut">
               <a:rPr lang="en-US" smtClean="0"/>
               <a:pPr/>
-              <a:t>4/3/2020</a:t>
+              <a:t>10/30/2020</a:t>
             </a:fld>
             <a:endParaRPr lang="en-US"/>
           </a:p>
@@ -1375,7 +1375,7 @@
             <a:fld id="{74BC4726-2204-402F-8651-3DE2807316DF}" type="datetimeFigureOut">
               <a:rPr lang="en-US" smtClean="0"/>
               <a:pPr/>
-              <a:t>4/3/2020</a:t>
+              <a:t>10/30/2020</a:t>
             </a:fld>
             <a:endParaRPr lang="en-US"/>
           </a:p>
@@ -1799,7 +1799,7 @@
             <a:fld id="{74BC4726-2204-402F-8651-3DE2807316DF}" type="datetimeFigureOut">
               <a:rPr lang="en-US" smtClean="0"/>
               <a:pPr/>
-              <a:t>4/3/2020</a:t>
+              <a:t>10/30/2020</a:t>
             </a:fld>
             <a:endParaRPr lang="en-US"/>
           </a:p>
@@ -1919,7 +1919,7 @@
             <a:fld id="{74BC4726-2204-402F-8651-3DE2807316DF}" type="datetimeFigureOut">
               <a:rPr lang="en-US" smtClean="0"/>
               <a:pPr/>
-              <a:t>4/3/2020</a:t>
+              <a:t>10/30/2020</a:t>
             </a:fld>
             <a:endParaRPr lang="en-US"/>
           </a:p>
@@ -2016,7 +2016,7 @@
             <a:fld id="{74BC4726-2204-402F-8651-3DE2807316DF}" type="datetimeFigureOut">
               <a:rPr lang="en-US" smtClean="0"/>
               <a:pPr/>
-              <a:t>4/3/2020</a:t>
+              <a:t>10/30/2020</a:t>
             </a:fld>
             <a:endParaRPr lang="en-US"/>
           </a:p>
@@ -2295,7 +2295,7 @@
             <a:fld id="{74BC4726-2204-402F-8651-3DE2807316DF}" type="datetimeFigureOut">
               <a:rPr lang="en-US" smtClean="0"/>
               <a:pPr/>
-              <a:t>4/3/2020</a:t>
+              <a:t>10/30/2020</a:t>
             </a:fld>
             <a:endParaRPr lang="en-US"/>
           </a:p>
@@ -2554,7 +2554,7 @@
             <a:fld id="{74BC4726-2204-402F-8651-3DE2807316DF}" type="datetimeFigureOut">
               <a:rPr lang="en-US" smtClean="0"/>
               <a:pPr/>
-              <a:t>4/3/2020</a:t>
+              <a:t>10/30/2020</a:t>
             </a:fld>
             <a:endParaRPr lang="en-US"/>
           </a:p>
@@ -2774,7 +2774,7 @@
             <a:fld id="{74BC4726-2204-402F-8651-3DE2807316DF}" type="datetimeFigureOut">
               <a:rPr lang="en-US" smtClean="0"/>
               <a:pPr/>
-              <a:t>4/3/2020</a:t>
+              <a:t>10/30/2020</a:t>
             </a:fld>
             <a:endParaRPr lang="en-US"/>
           </a:p>
@@ -3556,11 +3556,11 @@
         <p:spPr>
           <a:xfrm>
             <a:off x="0" y="0"/>
-            <a:ext cx="12192000" cy="6858000"/>
+            <a:ext cx="11887200" cy="6858000"/>
           </a:xfrm>
         </p:spPr>
         <p:txBody>
-          <a:bodyPr>
+          <a:bodyPr anchor="ctr">
             <a:normAutofit/>
           </a:bodyPr>
           <a:lstStyle/>
@@ -3635,11 +3635,11 @@
         <p:spPr>
           <a:xfrm>
             <a:off x="0" y="0"/>
-            <a:ext cx="12192000" cy="6858000"/>
+            <a:ext cx="11887200" cy="6858000"/>
           </a:xfrm>
         </p:spPr>
         <p:txBody>
-          <a:bodyPr>
+          <a:bodyPr anchor="ctr">
             <a:normAutofit/>
           </a:bodyPr>
           <a:lstStyle/>
@@ -3718,7 +3718,7 @@
           </a:xfrm>
         </p:spPr>
         <p:txBody>
-          <a:bodyPr>
+          <a:bodyPr anchor="ctr">
             <a:normAutofit/>
           </a:bodyPr>
           <a:lstStyle/>
@@ -3793,11 +3793,11 @@
         <p:spPr>
           <a:xfrm>
             <a:off x="0" y="0"/>
-            <a:ext cx="12192000" cy="6858000"/>
+            <a:ext cx="11887200" cy="6858000"/>
           </a:xfrm>
         </p:spPr>
         <p:txBody>
-          <a:bodyPr>
+          <a:bodyPr anchor="ctr">
             <a:normAutofit/>
           </a:bodyPr>
           <a:lstStyle/>
@@ -3839,17 +3839,7 @@
                 <a:latin typeface="微軟正黑體" pitchFamily="34" charset="-120"/>
                 <a:ea typeface="微軟正黑體" pitchFamily="34" charset="-120"/>
               </a:rPr>
-              <a:t>他雖然為兒子，還是因所受的苦難學了順從</a:t>
-            </a:r>
-            <a:r>
-              <a:rPr lang="zh-TW" altLang="en-US" sz="6400" dirty="0">
-                <a:solidFill>
-                  <a:srgbClr val="002060"/>
-                </a:solidFill>
-                <a:latin typeface="微軟正黑體" pitchFamily="34" charset="-120"/>
-                <a:ea typeface="微軟正黑體" pitchFamily="34" charset="-120"/>
-              </a:rPr>
-              <a:t>。</a:t>
+              <a:t>他雖然為兒子，還是因所受的苦難學了順從。</a:t>
             </a:r>
             <a:endParaRPr lang="en-US" altLang="zh-TW" sz="6400" dirty="0">
               <a:solidFill>
@@ -3915,7 +3905,7 @@
           </a:xfrm>
         </p:spPr>
         <p:txBody>
-          <a:bodyPr>
+          <a:bodyPr anchor="ctr">
             <a:normAutofit/>
           </a:bodyPr>
           <a:lstStyle/>
@@ -4048,11 +4038,11 @@
         <p:spPr>
           <a:xfrm>
             <a:off x="0" y="0"/>
-            <a:ext cx="12192000" cy="6858000"/>
+            <a:ext cx="11887200" cy="6858000"/>
           </a:xfrm>
         </p:spPr>
         <p:txBody>
-          <a:bodyPr>
+          <a:bodyPr anchor="ctr">
             <a:normAutofit/>
           </a:bodyPr>
           <a:lstStyle/>
@@ -4094,7 +4084,17 @@
                 <a:latin typeface="Microsoft JhengHei" pitchFamily="34" charset="-120"/>
                 <a:ea typeface="Microsoft JhengHei" pitchFamily="34" charset="-120"/>
               </a:rPr>
-              <a:t>因我所遭遇的是出於你，我就默然不語。主啊，如今我等什麼呢？我的指望在乎你！</a:t>
+              <a:t>因我所遭遇的是出於你，我就默然不語。主啊，如今我等什麼呢？我的指望在乎你</a:t>
+            </a:r>
+            <a:r>
+              <a:rPr lang="zh-TW" altLang="en-US" sz="6400" b="1" dirty="0" smtClean="0">
+                <a:solidFill>
+                  <a:srgbClr val="002060"/>
+                </a:solidFill>
+                <a:latin typeface="Microsoft JhengHei" pitchFamily="34" charset="-120"/>
+                <a:ea typeface="Microsoft JhengHei" pitchFamily="34" charset="-120"/>
+              </a:rPr>
+              <a:t>！</a:t>
             </a:r>
             <a:endParaRPr lang="en-US" altLang="zh-TW" sz="6400" b="1" dirty="0">
               <a:solidFill>
@@ -4102,15 +4102,6 @@
               </a:solidFill>
               <a:latin typeface="Microsoft JhengHei" pitchFamily="34" charset="-120"/>
               <a:ea typeface="Microsoft JhengHei" pitchFamily="34" charset="-120"/>
-            </a:endParaRPr>
-          </a:p>
-          <a:p>
-            <a:endParaRPr lang="en-US" altLang="zh-TW" sz="6400" dirty="0">
-              <a:solidFill>
-                <a:srgbClr val="002060"/>
-              </a:solidFill>
-              <a:latin typeface="微軟正黑體" pitchFamily="34" charset="-120"/>
-              <a:ea typeface="微軟正黑體" pitchFamily="34" charset="-120"/>
             </a:endParaRPr>
           </a:p>
         </p:txBody>

--- a/65信靠順服.pptx
+++ b/65信靠順服.pptx
@@ -311,7 +311,7 @@
             <a:fld id="{74BC4726-2204-402F-8651-3DE2807316DF}" type="datetimeFigureOut">
               <a:rPr lang="en-US" smtClean="0"/>
               <a:pPr/>
-              <a:t>10/30/2020</a:t>
+              <a:t>6/16/2021</a:t>
             </a:fld>
             <a:endParaRPr lang="en-US"/>
           </a:p>
@@ -483,7 +483,7 @@
             <a:fld id="{74BC4726-2204-402F-8651-3DE2807316DF}" type="datetimeFigureOut">
               <a:rPr lang="en-US" smtClean="0"/>
               <a:pPr/>
-              <a:t>10/30/2020</a:t>
+              <a:t>6/16/2021</a:t>
             </a:fld>
             <a:endParaRPr lang="en-US"/>
           </a:p>
@@ -665,7 +665,7 @@
             <a:fld id="{74BC4726-2204-402F-8651-3DE2807316DF}" type="datetimeFigureOut">
               <a:rPr lang="en-US" smtClean="0"/>
               <a:pPr/>
-              <a:t>10/30/2020</a:t>
+              <a:t>6/16/2021</a:t>
             </a:fld>
             <a:endParaRPr lang="en-US"/>
           </a:p>
@@ -837,7 +837,7 @@
             <a:fld id="{74BC4726-2204-402F-8651-3DE2807316DF}" type="datetimeFigureOut">
               <a:rPr lang="en-US" smtClean="0"/>
               <a:pPr/>
-              <a:t>10/30/2020</a:t>
+              <a:t>6/16/2021</a:t>
             </a:fld>
             <a:endParaRPr lang="en-US"/>
           </a:p>
@@ -1085,7 +1085,7 @@
             <a:fld id="{74BC4726-2204-402F-8651-3DE2807316DF}" type="datetimeFigureOut">
               <a:rPr lang="en-US" smtClean="0"/>
               <a:pPr/>
-              <a:t>10/30/2020</a:t>
+              <a:t>6/16/2021</a:t>
             </a:fld>
             <a:endParaRPr lang="en-US"/>
           </a:p>
@@ -1375,7 +1375,7 @@
             <a:fld id="{74BC4726-2204-402F-8651-3DE2807316DF}" type="datetimeFigureOut">
               <a:rPr lang="en-US" smtClean="0"/>
               <a:pPr/>
-              <a:t>10/30/2020</a:t>
+              <a:t>6/16/2021</a:t>
             </a:fld>
             <a:endParaRPr lang="en-US"/>
           </a:p>
@@ -1799,7 +1799,7 @@
             <a:fld id="{74BC4726-2204-402F-8651-3DE2807316DF}" type="datetimeFigureOut">
               <a:rPr lang="en-US" smtClean="0"/>
               <a:pPr/>
-              <a:t>10/30/2020</a:t>
+              <a:t>6/16/2021</a:t>
             </a:fld>
             <a:endParaRPr lang="en-US"/>
           </a:p>
@@ -1919,7 +1919,7 @@
             <a:fld id="{74BC4726-2204-402F-8651-3DE2807316DF}" type="datetimeFigureOut">
               <a:rPr lang="en-US" smtClean="0"/>
               <a:pPr/>
-              <a:t>10/30/2020</a:t>
+              <a:t>6/16/2021</a:t>
             </a:fld>
             <a:endParaRPr lang="en-US"/>
           </a:p>
@@ -2016,7 +2016,7 @@
             <a:fld id="{74BC4726-2204-402F-8651-3DE2807316DF}" type="datetimeFigureOut">
               <a:rPr lang="en-US" smtClean="0"/>
               <a:pPr/>
-              <a:t>10/30/2020</a:t>
+              <a:t>6/16/2021</a:t>
             </a:fld>
             <a:endParaRPr lang="en-US"/>
           </a:p>
@@ -2295,7 +2295,7 @@
             <a:fld id="{74BC4726-2204-402F-8651-3DE2807316DF}" type="datetimeFigureOut">
               <a:rPr lang="en-US" smtClean="0"/>
               <a:pPr/>
-              <a:t>10/30/2020</a:t>
+              <a:t>6/16/2021</a:t>
             </a:fld>
             <a:endParaRPr lang="en-US"/>
           </a:p>
@@ -2554,7 +2554,7 @@
             <a:fld id="{74BC4726-2204-402F-8651-3DE2807316DF}" type="datetimeFigureOut">
               <a:rPr lang="en-US" smtClean="0"/>
               <a:pPr/>
-              <a:t>10/30/2020</a:t>
+              <a:t>6/16/2021</a:t>
             </a:fld>
             <a:endParaRPr lang="en-US"/>
           </a:p>
@@ -2774,7 +2774,7 @@
             <a:fld id="{74BC4726-2204-402F-8651-3DE2807316DF}" type="datetimeFigureOut">
               <a:rPr lang="en-US" smtClean="0"/>
               <a:pPr/>
-              <a:t>10/30/2020</a:t>
+              <a:t>6/16/2021</a:t>
             </a:fld>
             <a:endParaRPr lang="en-US"/>
           </a:p>
@@ -3226,7 +3226,7 @@
             <a:r>
               <a:rPr lang="zh-CN" altLang="en-US" b="1" dirty="0">
                 <a:solidFill>
-                  <a:srgbClr val="002060"/>
+                  <a:srgbClr val="000066"/>
                 </a:solidFill>
                 <a:latin typeface="微軟正黑體" pitchFamily="34" charset="-120"/>
                 <a:ea typeface="微軟正黑體" pitchFamily="34" charset="-120"/>
@@ -3236,7 +3236,7 @@
             <a:r>
               <a:rPr lang="zh-CN" altLang="en-US" b="1" dirty="0" smtClean="0">
                 <a:solidFill>
-                  <a:srgbClr val="002060"/>
+                  <a:srgbClr val="000066"/>
                 </a:solidFill>
                 <a:latin typeface="微軟正黑體" pitchFamily="34" charset="-120"/>
                 <a:ea typeface="微軟正黑體" pitchFamily="34" charset="-120"/>
@@ -3246,7 +3246,7 @@
             <a:r>
               <a:rPr lang="en-US" altLang="zh-CN" b="1" dirty="0" smtClean="0">
                 <a:solidFill>
-                  <a:srgbClr val="002060"/>
+                  <a:srgbClr val="000066"/>
                 </a:solidFill>
                 <a:latin typeface="微軟正黑體" pitchFamily="34" charset="-120"/>
                 <a:ea typeface="微軟正黑體" pitchFamily="34" charset="-120"/>
@@ -3256,7 +3256,7 @@
             <a:r>
               <a:rPr lang="zh-CN" altLang="en-US" b="1" dirty="0">
                 <a:solidFill>
-                  <a:srgbClr val="002060"/>
+                  <a:srgbClr val="000066"/>
                 </a:solidFill>
                 <a:latin typeface="微軟正黑體" pitchFamily="34" charset="-120"/>
                 <a:ea typeface="微軟正黑體" pitchFamily="34" charset="-120"/>
@@ -3266,7 +3266,7 @@
             <a:r>
               <a:rPr lang="en-US" altLang="zh-CN" b="1" dirty="0">
                 <a:solidFill>
-                  <a:srgbClr val="002060"/>
+                  <a:srgbClr val="000066"/>
                 </a:solidFill>
                 <a:latin typeface="微軟正黑體" pitchFamily="34" charset="-120"/>
                 <a:ea typeface="微軟正黑體" pitchFamily="34" charset="-120"/>
@@ -3276,7 +3276,7 @@
             <a:r>
               <a:rPr lang="zh-CN" altLang="en-US" b="1" dirty="0">
                 <a:solidFill>
-                  <a:srgbClr val="002060"/>
+                  <a:srgbClr val="000066"/>
                 </a:solidFill>
                 <a:latin typeface="微軟正黑體" pitchFamily="34" charset="-120"/>
                 <a:ea typeface="微軟正黑體" pitchFamily="34" charset="-120"/>
@@ -3286,7 +3286,7 @@
             <a:r>
               <a:rPr lang="zh-CN" altLang="en-US" b="1" dirty="0" smtClean="0">
                 <a:solidFill>
-                  <a:srgbClr val="002060"/>
+                  <a:srgbClr val="000066"/>
                 </a:solidFill>
                 <a:latin typeface="微軟正黑體" pitchFamily="34" charset="-120"/>
                 <a:ea typeface="微軟正黑體" pitchFamily="34" charset="-120"/>
@@ -3296,7 +3296,7 @@
             <a:r>
               <a:rPr lang="en-US" altLang="zh-CN" b="1" dirty="0" smtClean="0">
                 <a:solidFill>
-                  <a:srgbClr val="002060"/>
+                  <a:srgbClr val="000066"/>
                 </a:solidFill>
                 <a:latin typeface="微軟正黑體" pitchFamily="34" charset="-120"/>
                 <a:ea typeface="微軟正黑體" pitchFamily="34" charset="-120"/>
@@ -3306,7 +3306,7 @@
             <a:r>
               <a:rPr lang="zh-CN" altLang="en-US" b="1" dirty="0">
                 <a:solidFill>
-                  <a:srgbClr val="002060"/>
+                  <a:srgbClr val="000066"/>
                 </a:solidFill>
                 <a:latin typeface="微軟正黑體" pitchFamily="34" charset="-120"/>
                 <a:ea typeface="微軟正黑體" pitchFamily="34" charset="-120"/>
@@ -3316,7 +3316,7 @@
             <a:r>
               <a:rPr lang="en-US" altLang="zh-CN" b="1" dirty="0">
                 <a:solidFill>
-                  <a:srgbClr val="002060"/>
+                  <a:srgbClr val="000066"/>
                 </a:solidFill>
                 <a:latin typeface="微軟正黑體" pitchFamily="34" charset="-120"/>
                 <a:ea typeface="微軟正黑體" pitchFamily="34" charset="-120"/>
@@ -3326,7 +3326,7 @@
             <a:r>
               <a:rPr lang="zh-CN" altLang="en-US" b="1" dirty="0">
                 <a:solidFill>
-                  <a:srgbClr val="002060"/>
+                  <a:srgbClr val="000066"/>
                 </a:solidFill>
                 <a:latin typeface="微軟正黑體" pitchFamily="34" charset="-120"/>
                 <a:ea typeface="微軟正黑體" pitchFamily="34" charset="-120"/>
@@ -3336,7 +3336,7 @@
             <a:r>
               <a:rPr lang="zh-CN" altLang="en-US" b="1" dirty="0" smtClean="0">
                 <a:solidFill>
-                  <a:srgbClr val="002060"/>
+                  <a:srgbClr val="000066"/>
                 </a:solidFill>
                 <a:latin typeface="微軟正黑體" pitchFamily="34" charset="-120"/>
                 <a:ea typeface="微軟正黑體" pitchFamily="34" charset="-120"/>
@@ -3346,7 +3346,7 @@
             <a:r>
               <a:rPr lang="en-US" altLang="zh-CN" b="1" dirty="0" smtClean="0">
                 <a:solidFill>
-                  <a:srgbClr val="002060"/>
+                  <a:srgbClr val="000066"/>
                 </a:solidFill>
                 <a:latin typeface="微軟正黑體" pitchFamily="34" charset="-120"/>
                 <a:ea typeface="微軟正黑體" pitchFamily="34" charset="-120"/>
@@ -3356,7 +3356,7 @@
             <a:r>
               <a:rPr lang="zh-CN" altLang="en-US" b="1" dirty="0">
                 <a:solidFill>
-                  <a:srgbClr val="002060"/>
+                  <a:srgbClr val="000066"/>
                 </a:solidFill>
                 <a:latin typeface="微軟正黑體" pitchFamily="34" charset="-120"/>
                 <a:ea typeface="微軟正黑體" pitchFamily="34" charset="-120"/>
@@ -3366,7 +3366,7 @@
             <a:r>
               <a:rPr lang="en-US" altLang="zh-CN" b="1" dirty="0">
                 <a:solidFill>
-                  <a:srgbClr val="002060"/>
+                  <a:srgbClr val="000066"/>
                 </a:solidFill>
                 <a:latin typeface="微軟正黑體" pitchFamily="34" charset="-120"/>
                 <a:ea typeface="微軟正黑體" pitchFamily="34" charset="-120"/>
@@ -3378,7 +3378,7 @@
             <a:r>
               <a:rPr lang="zh-CN" altLang="en-US" b="1" dirty="0">
                 <a:solidFill>
-                  <a:srgbClr val="002060"/>
+                  <a:srgbClr val="000066"/>
                 </a:solidFill>
                 <a:latin typeface="微軟正黑體" pitchFamily="34" charset="-120"/>
                 <a:ea typeface="微軟正黑體" pitchFamily="34" charset="-120"/>
@@ -3388,7 +3388,7 @@
             <a:r>
               <a:rPr lang="en-US" altLang="zh-CN" b="1" dirty="0">
                 <a:solidFill>
-                  <a:srgbClr val="002060"/>
+                  <a:srgbClr val="000066"/>
                 </a:solidFill>
                 <a:latin typeface="微軟正黑體" pitchFamily="34" charset="-120"/>
                 <a:ea typeface="微軟正黑體" pitchFamily="34" charset="-120"/>
@@ -3398,7 +3398,7 @@
             <a:r>
               <a:rPr lang="zh-CN" altLang="en-US" b="1" dirty="0">
                 <a:solidFill>
-                  <a:srgbClr val="002060"/>
+                  <a:srgbClr val="000066"/>
                 </a:solidFill>
                 <a:latin typeface="微軟正黑體" pitchFamily="34" charset="-120"/>
                 <a:ea typeface="微軟正黑體" pitchFamily="34" charset="-120"/>
@@ -3408,7 +3408,7 @@
             <a:r>
               <a:rPr lang="en-US" altLang="zh-CN" b="1" dirty="0">
                 <a:solidFill>
-                  <a:srgbClr val="002060"/>
+                  <a:srgbClr val="000066"/>
                 </a:solidFill>
                 <a:latin typeface="微軟正黑體" pitchFamily="34" charset="-120"/>
                 <a:ea typeface="微軟正黑體" pitchFamily="34" charset="-120"/>
@@ -3418,7 +3418,7 @@
             <a:r>
               <a:rPr lang="zh-CN" altLang="en-US" b="1" dirty="0">
                 <a:solidFill>
-                  <a:srgbClr val="002060"/>
+                  <a:srgbClr val="000066"/>
                 </a:solidFill>
                 <a:latin typeface="微軟正黑體" pitchFamily="34" charset="-120"/>
                 <a:ea typeface="微軟正黑體" pitchFamily="34" charset="-120"/>
@@ -3428,7 +3428,7 @@
             <a:r>
               <a:rPr lang="en-US" altLang="zh-CN" b="1" dirty="0">
                 <a:solidFill>
-                  <a:srgbClr val="002060"/>
+                  <a:srgbClr val="000066"/>
                 </a:solidFill>
                 <a:latin typeface="微軟正黑體" pitchFamily="34" charset="-120"/>
                 <a:ea typeface="微軟正黑體" pitchFamily="34" charset="-120"/>
@@ -3438,7 +3438,7 @@
             <a:r>
               <a:rPr lang="zh-CN" altLang="en-US" b="1" dirty="0">
                 <a:solidFill>
-                  <a:srgbClr val="002060"/>
+                  <a:srgbClr val="000066"/>
                 </a:solidFill>
                 <a:latin typeface="微軟正黑體" pitchFamily="34" charset="-120"/>
                 <a:ea typeface="微軟正黑體" pitchFamily="34" charset="-120"/>
@@ -3448,7 +3448,7 @@
             <a:r>
               <a:rPr lang="en-US" altLang="zh-CN" b="1" dirty="0">
                 <a:solidFill>
-                  <a:srgbClr val="002060"/>
+                  <a:srgbClr val="000066"/>
                 </a:solidFill>
                 <a:latin typeface="微軟正黑體" pitchFamily="34" charset="-120"/>
                 <a:ea typeface="微軟正黑體" pitchFamily="34" charset="-120"/>
@@ -3458,7 +3458,7 @@
             <a:r>
               <a:rPr lang="zh-CN" altLang="en-US" b="1" dirty="0">
                 <a:solidFill>
-                  <a:srgbClr val="002060"/>
+                  <a:srgbClr val="000066"/>
                 </a:solidFill>
                 <a:latin typeface="微軟正黑體" pitchFamily="34" charset="-120"/>
                 <a:ea typeface="微軟正黑體" pitchFamily="34" charset="-120"/>
@@ -3468,7 +3468,7 @@
             <a:r>
               <a:rPr lang="en-US" altLang="zh-CN" b="1" dirty="0">
                 <a:solidFill>
-                  <a:srgbClr val="002060"/>
+                  <a:srgbClr val="000066"/>
                 </a:solidFill>
                 <a:latin typeface="微軟正黑體" pitchFamily="34" charset="-120"/>
                 <a:ea typeface="微軟正黑體" pitchFamily="34" charset="-120"/>
@@ -3478,7 +3478,7 @@
             <a:r>
               <a:rPr lang="zh-CN" altLang="en-US" b="1" dirty="0">
                 <a:solidFill>
-                  <a:srgbClr val="002060"/>
+                  <a:srgbClr val="000066"/>
                 </a:solidFill>
                 <a:latin typeface="微軟正黑體" pitchFamily="34" charset="-120"/>
                 <a:ea typeface="微軟正黑體" pitchFamily="34" charset="-120"/>
@@ -3488,7 +3488,7 @@
             <a:r>
               <a:rPr lang="en-US" altLang="zh-CN" b="1" dirty="0">
                 <a:solidFill>
-                  <a:srgbClr val="002060"/>
+                  <a:srgbClr val="000066"/>
                 </a:solidFill>
                 <a:latin typeface="微軟正黑體" pitchFamily="34" charset="-120"/>
                 <a:ea typeface="微軟正黑體" pitchFamily="34" charset="-120"/>
@@ -3498,7 +3498,7 @@
             <a:r>
               <a:rPr lang="zh-CN" altLang="en-US" b="1" dirty="0">
                 <a:solidFill>
-                  <a:srgbClr val="002060"/>
+                  <a:srgbClr val="000066"/>
                 </a:solidFill>
                 <a:latin typeface="微軟正黑體" pitchFamily="34" charset="-120"/>
                 <a:ea typeface="微軟正黑體" pitchFamily="34" charset="-120"/>
@@ -3508,7 +3508,7 @@
             <a:r>
               <a:rPr lang="en-US" altLang="zh-CN" b="1" dirty="0">
                 <a:solidFill>
-                  <a:srgbClr val="002060"/>
+                  <a:srgbClr val="000066"/>
                 </a:solidFill>
                 <a:latin typeface="微軟正黑體" pitchFamily="34" charset="-120"/>
                 <a:ea typeface="微軟正黑體" pitchFamily="34" charset="-120"/>
@@ -3568,7 +3568,7 @@
             <a:r>
               <a:rPr lang="zh-TW" altLang="en-US" sz="6400" dirty="0">
                 <a:solidFill>
-                  <a:srgbClr val="002060"/>
+                  <a:srgbClr val="000066"/>
                 </a:solidFill>
                 <a:latin typeface="微軟正黑體" pitchFamily="34" charset="-120"/>
                 <a:ea typeface="微軟正黑體" pitchFamily="34" charset="-120"/>
@@ -3577,7 +3577,7 @@
             </a:r>
             <a:endParaRPr lang="en-US" altLang="zh-TW" sz="6400" dirty="0">
               <a:solidFill>
-                <a:srgbClr val="002060"/>
+                <a:srgbClr val="000066"/>
               </a:solidFill>
               <a:latin typeface="微軟正黑體" pitchFamily="34" charset="-120"/>
               <a:ea typeface="微軟正黑體" pitchFamily="34" charset="-120"/>
@@ -3647,7 +3647,7 @@
             <a:r>
               <a:rPr lang="zh-TW" altLang="en-US" sz="6400" b="1" dirty="0">
                 <a:solidFill>
-                  <a:srgbClr val="002060"/>
+                  <a:srgbClr val="000066"/>
                 </a:solidFill>
                 <a:latin typeface="Microsoft JhengHei" pitchFamily="34" charset="-120"/>
                 <a:ea typeface="Microsoft JhengHei" pitchFamily="34" charset="-120"/>
@@ -3656,7 +3656,7 @@
             </a:r>
             <a:endParaRPr lang="en-US" altLang="zh-TW" sz="6400" b="1" dirty="0">
               <a:solidFill>
-                <a:srgbClr val="002060"/>
+                <a:srgbClr val="000066"/>
               </a:solidFill>
               <a:latin typeface="Microsoft JhengHei" pitchFamily="34" charset="-120"/>
               <a:ea typeface="Microsoft JhengHei" pitchFamily="34" charset="-120"/>
@@ -3726,7 +3726,7 @@
             <a:r>
               <a:rPr lang="zh-TW" altLang="en-US" sz="6400" dirty="0">
                 <a:solidFill>
-                  <a:srgbClr val="002060"/>
+                  <a:srgbClr val="000066"/>
                 </a:solidFill>
                 <a:latin typeface="微軟正黑體" pitchFamily="34" charset="-120"/>
                 <a:ea typeface="微軟正黑體" pitchFamily="34" charset="-120"/>
@@ -3735,7 +3735,7 @@
             </a:r>
             <a:endParaRPr lang="en-US" altLang="zh-TW" sz="6400" dirty="0">
               <a:solidFill>
-                <a:srgbClr val="002060"/>
+                <a:srgbClr val="000066"/>
               </a:solidFill>
               <a:latin typeface="微軟正黑體" pitchFamily="34" charset="-120"/>
               <a:ea typeface="微軟正黑體" pitchFamily="34" charset="-120"/>
@@ -3805,7 +3805,7 @@
             <a:r>
               <a:rPr lang="zh-TW" altLang="en-US" sz="6400" b="1" dirty="0">
                 <a:solidFill>
-                  <a:srgbClr val="002060"/>
+                  <a:srgbClr val="000066"/>
                 </a:solidFill>
                 <a:latin typeface="Microsoft JhengHei" pitchFamily="34" charset="-120"/>
                 <a:ea typeface="Microsoft JhengHei" pitchFamily="34" charset="-120"/>
@@ -3815,7 +3815,7 @@
             <a:r>
               <a:rPr lang="zh-TW" altLang="en-US" sz="6400" b="1" dirty="0" smtClean="0">
                 <a:solidFill>
-                  <a:srgbClr val="002060"/>
+                  <a:srgbClr val="000066"/>
                 </a:solidFill>
                 <a:latin typeface="Microsoft JhengHei" pitchFamily="34" charset="-120"/>
                 <a:ea typeface="Microsoft JhengHei" pitchFamily="34" charset="-120"/>
@@ -3824,7 +3824,7 @@
             </a:r>
             <a:endParaRPr lang="en-US" altLang="zh-TW" sz="6400" b="1" dirty="0" smtClean="0">
               <a:solidFill>
-                <a:srgbClr val="002060"/>
+                <a:srgbClr val="000066"/>
               </a:solidFill>
               <a:latin typeface="Microsoft JhengHei" pitchFamily="34" charset="-120"/>
               <a:ea typeface="Microsoft JhengHei" pitchFamily="34" charset="-120"/>
@@ -3834,7 +3834,7 @@
             <a:r>
               <a:rPr lang="zh-TW" altLang="en-US" sz="6400" dirty="0">
                 <a:solidFill>
-                  <a:srgbClr val="002060"/>
+                  <a:srgbClr val="000066"/>
                 </a:solidFill>
                 <a:latin typeface="微軟正黑體" pitchFamily="34" charset="-120"/>
                 <a:ea typeface="微軟正黑體" pitchFamily="34" charset="-120"/>
@@ -3843,7 +3843,7 @@
             </a:r>
             <a:endParaRPr lang="en-US" altLang="zh-TW" sz="6400" dirty="0">
               <a:solidFill>
-                <a:srgbClr val="002060"/>
+                <a:srgbClr val="000066"/>
               </a:solidFill>
               <a:latin typeface="微軟正黑體" pitchFamily="34" charset="-120"/>
               <a:ea typeface="微軟正黑體" pitchFamily="34" charset="-120"/>
@@ -3913,7 +3913,7 @@
             <a:r>
               <a:rPr lang="zh-TW" altLang="en-US" sz="6400" b="1" dirty="0">
                 <a:solidFill>
-                  <a:srgbClr val="002060"/>
+                  <a:srgbClr val="000066"/>
                 </a:solidFill>
                 <a:latin typeface="Microsoft JhengHei" pitchFamily="34" charset="-120"/>
                 <a:ea typeface="Microsoft JhengHei" pitchFamily="34" charset="-120"/>
@@ -3922,7 +3922,7 @@
             </a:r>
             <a:endParaRPr lang="en-US" altLang="zh-TW" sz="6400" b="1" dirty="0">
               <a:solidFill>
-                <a:srgbClr val="002060"/>
+                <a:srgbClr val="000066"/>
               </a:solidFill>
               <a:latin typeface="Microsoft JhengHei" pitchFamily="34" charset="-120"/>
               <a:ea typeface="Microsoft JhengHei" pitchFamily="34" charset="-120"/>
@@ -3932,7 +3932,7 @@
             <a:r>
               <a:rPr lang="zh-TW" altLang="en-US" sz="6400" dirty="0">
                 <a:solidFill>
-                  <a:srgbClr val="002060"/>
+                  <a:srgbClr val="000066"/>
                 </a:solidFill>
                 <a:latin typeface="微軟正黑體" pitchFamily="34" charset="-120"/>
                 <a:ea typeface="微軟正黑體" pitchFamily="34" charset="-120"/>
@@ -3942,7 +3942,7 @@
             <a:r>
               <a:rPr lang="zh-TW" altLang="en-US" sz="6400" dirty="0" smtClean="0">
                 <a:solidFill>
-                  <a:srgbClr val="002060"/>
+                  <a:srgbClr val="000066"/>
                 </a:solidFill>
                 <a:latin typeface="微軟正黑體" pitchFamily="34" charset="-120"/>
                 <a:ea typeface="微軟正黑體" pitchFamily="34" charset="-120"/>
@@ -3951,7 +3951,7 @@
             </a:r>
             <a:endParaRPr lang="en-US" altLang="zh-TW" sz="6400" dirty="0" smtClean="0">
               <a:solidFill>
-                <a:srgbClr val="002060"/>
+                <a:srgbClr val="000066"/>
               </a:solidFill>
               <a:latin typeface="微軟正黑體" pitchFamily="34" charset="-120"/>
               <a:ea typeface="微軟正黑體" pitchFamily="34" charset="-120"/>
@@ -3961,7 +3961,7 @@
             <a:r>
               <a:rPr lang="zh-TW" altLang="en-US" sz="6400" b="1" dirty="0">
                 <a:solidFill>
-                  <a:srgbClr val="002060"/>
+                  <a:srgbClr val="000066"/>
                 </a:solidFill>
                 <a:latin typeface="Microsoft JhengHei" pitchFamily="34" charset="-120"/>
                 <a:ea typeface="Microsoft JhengHei" pitchFamily="34" charset="-120"/>
@@ -3971,7 +3971,7 @@
             <a:r>
               <a:rPr lang="zh-TW" altLang="en-US" sz="6400" b="1" dirty="0" smtClean="0">
                 <a:solidFill>
-                  <a:srgbClr val="002060"/>
+                  <a:srgbClr val="000066"/>
                 </a:solidFill>
                 <a:latin typeface="Microsoft JhengHei" pitchFamily="34" charset="-120"/>
                 <a:ea typeface="Microsoft JhengHei" pitchFamily="34" charset="-120"/>
@@ -3980,7 +3980,7 @@
             </a:r>
             <a:endParaRPr lang="en-US" altLang="zh-TW" sz="6400" b="1" dirty="0">
               <a:solidFill>
-                <a:srgbClr val="002060"/>
+                <a:srgbClr val="000066"/>
               </a:solidFill>
               <a:latin typeface="Microsoft JhengHei" pitchFamily="34" charset="-120"/>
               <a:ea typeface="Microsoft JhengHei" pitchFamily="34" charset="-120"/>
@@ -4050,7 +4050,7 @@
             <a:r>
               <a:rPr lang="zh-TW" altLang="en-US" sz="6400" dirty="0">
                 <a:solidFill>
-                  <a:srgbClr val="002060"/>
+                  <a:srgbClr val="000066"/>
                 </a:solidFill>
                 <a:latin typeface="微軟正黑體" pitchFamily="34" charset="-120"/>
                 <a:ea typeface="微軟正黑體" pitchFamily="34" charset="-120"/>
@@ -4060,7 +4060,7 @@
             <a:r>
               <a:rPr lang="zh-TW" altLang="en-US" sz="6400" dirty="0" smtClean="0">
                 <a:solidFill>
-                  <a:srgbClr val="002060"/>
+                  <a:srgbClr val="000066"/>
                 </a:solidFill>
                 <a:latin typeface="微軟正黑體" pitchFamily="34" charset="-120"/>
                 <a:ea typeface="微軟正黑體" pitchFamily="34" charset="-120"/>
@@ -4069,7 +4069,7 @@
             </a:r>
             <a:endParaRPr lang="en-US" altLang="zh-TW" sz="6400" dirty="0" smtClean="0">
               <a:solidFill>
-                <a:srgbClr val="002060"/>
+                <a:srgbClr val="000066"/>
               </a:solidFill>
               <a:latin typeface="微軟正黑體" pitchFamily="34" charset="-120"/>
               <a:ea typeface="微軟正黑體" pitchFamily="34" charset="-120"/>
@@ -4079,7 +4079,7 @@
             <a:r>
               <a:rPr lang="zh-TW" altLang="en-US" sz="6400" b="1" dirty="0">
                 <a:solidFill>
-                  <a:srgbClr val="002060"/>
+                  <a:srgbClr val="000066"/>
                 </a:solidFill>
                 <a:latin typeface="Microsoft JhengHei" pitchFamily="34" charset="-120"/>
                 <a:ea typeface="Microsoft JhengHei" pitchFamily="34" charset="-120"/>
@@ -4089,7 +4089,7 @@
             <a:r>
               <a:rPr lang="zh-TW" altLang="en-US" sz="6400" b="1" dirty="0" smtClean="0">
                 <a:solidFill>
-                  <a:srgbClr val="002060"/>
+                  <a:srgbClr val="000066"/>
                 </a:solidFill>
                 <a:latin typeface="Microsoft JhengHei" pitchFamily="34" charset="-120"/>
                 <a:ea typeface="Microsoft JhengHei" pitchFamily="34" charset="-120"/>
@@ -4098,7 +4098,7 @@
             </a:r>
             <a:endParaRPr lang="en-US" altLang="zh-TW" sz="6400" b="1" dirty="0">
               <a:solidFill>
-                <a:srgbClr val="002060"/>
+                <a:srgbClr val="000066"/>
               </a:solidFill>
               <a:latin typeface="Microsoft JhengHei" pitchFamily="34" charset="-120"/>
               <a:ea typeface="Microsoft JhengHei" pitchFamily="34" charset="-120"/>
